--- a/BI/PhanTichDuLieu.pptx
+++ b/BI/PhanTichDuLieu.pptx
@@ -5,10 +5,10 @@
     <p:sldMasterId id="2147483654" r:id="rId1"/>
   </p:sldMasterIdLst>
   <p:notesMasterIdLst>
-    <p:notesMasterId r:id="rId14"/>
+    <p:notesMasterId r:id="rId15"/>
   </p:notesMasterIdLst>
   <p:handoutMasterIdLst>
-    <p:handoutMasterId r:id="rId15"/>
+    <p:handoutMasterId r:id="rId16"/>
   </p:handoutMasterIdLst>
   <p:sldIdLst>
     <p:sldId id="256" r:id="rId2"/>
@@ -23,6 +23,7 @@
     <p:sldId id="342" r:id="rId11"/>
     <p:sldId id="336" r:id="rId12"/>
     <p:sldId id="338" r:id="rId13"/>
+    <p:sldId id="344" r:id="rId14"/>
   </p:sldIdLst>
   <p:sldSz cx="9144000" cy="6858000" type="screen4x3"/>
   <p:notesSz cx="7315200" cy="9601200"/>
@@ -4680,66 +4681,117 @@
           <a:p>
             <a:r>
               <a:rPr kumimoji="1" lang="en-US" altLang="ja-JP" sz="2800" b="0" dirty="0"/>
-              <a:t>BI (Business </a:t>
-            </a:r>
-            <a:r>
-              <a:rPr kumimoji="1" lang="en-US" altLang="ja-JP" sz="2800" b="0" dirty="0" err="1"/>
-              <a:t>Intellgience</a:t>
-            </a:r>
-            <a:r>
-              <a:rPr kumimoji="1" lang="en-US" altLang="ja-JP" sz="2800" b="0" dirty="0"/>
-              <a:t>) </a:t>
-            </a:r>
-            <a:r>
-              <a:rPr kumimoji="1" lang="en-US" altLang="ja-JP" sz="2800" b="0" dirty="0" err="1"/>
-              <a:t>là</a:t>
-            </a:r>
-            <a:r>
-              <a:rPr kumimoji="1" lang="en-US" altLang="ja-JP" sz="2800" b="0" dirty="0"/>
-              <a:t> </a:t>
-            </a:r>
-            <a:r>
-              <a:rPr kumimoji="1" lang="en-US" altLang="ja-JP" sz="2800" b="0" dirty="0" err="1"/>
-              <a:t>gì</a:t>
+              <a:t>BI Tool</a:t>
             </a:r>
             <a:endParaRPr kumimoji="1" lang="ja-JP" altLang="en-US" sz="2800" b="0" dirty="0"/>
           </a:p>
         </p:txBody>
       </p:sp>
-      <p:pic>
-        <p:nvPicPr>
-          <p:cNvPr id="4" name="図 3">
+      <p:sp>
+        <p:nvSpPr>
+          <p:cNvPr id="3" name="テキスト ボックス 2">
             <a:extLst>
               <a:ext uri="{FF2B5EF4-FFF2-40B4-BE49-F238E27FC236}">
-                <a16:creationId xmlns:a16="http://schemas.microsoft.com/office/drawing/2014/main" id="{BF3F5146-52F4-4AA6-9B1A-AA672DD09A44}"/>
+                <a16:creationId xmlns:a16="http://schemas.microsoft.com/office/drawing/2014/main" id="{253345FA-0E75-714A-9037-169FD7A06E91}"/>
               </a:ext>
             </a:extLst>
           </p:cNvPr>
-          <p:cNvPicPr>
-            <a:picLocks noChangeAspect="1"/>
-          </p:cNvPicPr>
+          <p:cNvSpPr txBox="1"/>
           <p:nvPr/>
-        </p:nvPicPr>
-        <p:blipFill>
-          <a:blip r:embed="rId2"/>
-          <a:stretch>
-            <a:fillRect/>
-          </a:stretch>
-        </p:blipFill>
+        </p:nvSpPr>
         <p:spPr>
           <a:xfrm>
-            <a:off x="2438400" y="1066800"/>
-            <a:ext cx="5015378" cy="5043996"/>
+            <a:off x="762000" y="990600"/>
+            <a:ext cx="2967479" cy="369332"/>
           </a:xfrm>
           <a:prstGeom prst="rect">
             <a:avLst/>
           </a:prstGeom>
+          <a:noFill/>
         </p:spPr>
-      </p:pic>
+        <p:txBody>
+          <a:bodyPr wrap="none" rtlCol="0">
+            <a:spAutoFit/>
+          </a:bodyPr>
+          <a:lstStyle/>
+          <a:p>
+            <a:r>
+              <a:rPr kumimoji="1" lang="vi-VN" altLang="ja-JP" b="0" dirty="0"/>
+              <a:t>Microsoft PowerBI Desktop</a:t>
+            </a:r>
+          </a:p>
+        </p:txBody>
+      </p:sp>
     </p:spTree>
     <p:extLst>
       <p:ext uri="{BB962C8B-B14F-4D97-AF65-F5344CB8AC3E}">
         <p14:creationId xmlns:p14="http://schemas.microsoft.com/office/powerpoint/2010/main" val="3007579141"/>
+      </p:ext>
+    </p:extLst>
+  </p:cSld>
+  <p:clrMapOvr>
+    <a:masterClrMapping/>
+  </p:clrMapOvr>
+</p:sld>
+</file>
+
+<file path=ppt/slides/slide13.xml><?xml version="1.0" encoding="utf-8"?>
+<p:sld xmlns:a="http://schemas.openxmlformats.org/drawingml/2006/main" xmlns:r="http://schemas.openxmlformats.org/officeDocument/2006/relationships" xmlns:p="http://schemas.openxmlformats.org/presentationml/2006/main">
+  <p:cSld>
+    <p:spTree>
+      <p:nvGrpSpPr>
+        <p:cNvPr id="1" name=""/>
+        <p:cNvGrpSpPr/>
+        <p:nvPr/>
+      </p:nvGrpSpPr>
+      <p:grpSpPr>
+        <a:xfrm>
+          <a:off x="0" y="0"/>
+          <a:ext cx="0" cy="0"/>
+          <a:chOff x="0" y="0"/>
+          <a:chExt cx="0" cy="0"/>
+        </a:xfrm>
+      </p:grpSpPr>
+      <p:sp>
+        <p:nvSpPr>
+          <p:cNvPr id="2" name="テキスト ボックス 1">
+            <a:extLst>
+              <a:ext uri="{FF2B5EF4-FFF2-40B4-BE49-F238E27FC236}">
+                <a16:creationId xmlns:a16="http://schemas.microsoft.com/office/drawing/2014/main" id="{86C211BE-3254-4B83-A721-CD5D76A48112}"/>
+              </a:ext>
+            </a:extLst>
+          </p:cNvPr>
+          <p:cNvSpPr txBox="1"/>
+          <p:nvPr/>
+        </p:nvSpPr>
+        <p:spPr>
+          <a:xfrm>
+            <a:off x="228599" y="228600"/>
+            <a:ext cx="8302625" cy="523220"/>
+          </a:xfrm>
+          <a:prstGeom prst="rect">
+            <a:avLst/>
+          </a:prstGeom>
+          <a:noFill/>
+        </p:spPr>
+        <p:txBody>
+          <a:bodyPr wrap="square" rtlCol="0">
+            <a:spAutoFit/>
+          </a:bodyPr>
+          <a:lstStyle/>
+          <a:p>
+            <a:r>
+              <a:rPr kumimoji="1" lang="en-US" altLang="ja-JP" sz="2800" b="0" dirty="0"/>
+              <a:t>BI Tool vs Excel</a:t>
+            </a:r>
+            <a:endParaRPr kumimoji="1" lang="ja-JP" altLang="en-US" sz="2800" b="0" dirty="0"/>
+          </a:p>
+        </p:txBody>
+      </p:sp>
+    </p:spTree>
+    <p:extLst>
+      <p:ext uri="{BB962C8B-B14F-4D97-AF65-F5344CB8AC3E}">
+        <p14:creationId xmlns:p14="http://schemas.microsoft.com/office/powerpoint/2010/main" val="411744041"/>
       </p:ext>
     </p:extLst>
   </p:cSld>

--- a/BI/PhanTichDuLieu.pptx
+++ b/BI/PhanTichDuLieu.pptx
@@ -5,10 +5,10 @@
     <p:sldMasterId id="2147483654" r:id="rId1"/>
   </p:sldMasterIdLst>
   <p:notesMasterIdLst>
-    <p:notesMasterId r:id="rId15"/>
+    <p:notesMasterId r:id="rId16"/>
   </p:notesMasterIdLst>
   <p:handoutMasterIdLst>
-    <p:handoutMasterId r:id="rId16"/>
+    <p:handoutMasterId r:id="rId17"/>
   </p:handoutMasterIdLst>
   <p:sldIdLst>
     <p:sldId id="256" r:id="rId2"/>
@@ -23,7 +23,8 @@
     <p:sldId id="342" r:id="rId11"/>
     <p:sldId id="336" r:id="rId12"/>
     <p:sldId id="338" r:id="rId13"/>
-    <p:sldId id="344" r:id="rId14"/>
+    <p:sldId id="345" r:id="rId14"/>
+    <p:sldId id="344" r:id="rId15"/>
   </p:sldIdLst>
   <p:sldSz cx="9144000" cy="6858000" type="screen4x3"/>
   <p:notesSz cx="7315200" cy="9601200"/>
@@ -4681,9 +4682,512 @@
           <a:p>
             <a:r>
               <a:rPr kumimoji="1" lang="en-US" altLang="ja-JP" sz="2800" b="0" dirty="0"/>
-              <a:t>BI Tool</a:t>
-            </a:r>
-            <a:endParaRPr kumimoji="1" lang="ja-JP" altLang="en-US" sz="2800" b="0" dirty="0"/>
+              <a:t>BI Tool: Microsoft </a:t>
+            </a:r>
+            <a:r>
+              <a:rPr kumimoji="1" lang="en-US" altLang="ja-JP" sz="2800" b="0" dirty="0" err="1"/>
+              <a:t>PowerBI</a:t>
+            </a:r>
+            <a:r>
+              <a:rPr kumimoji="1" lang="en-US" altLang="ja-JP" sz="2800" b="0" dirty="0"/>
+              <a:t> Desktop</a:t>
+            </a:r>
+          </a:p>
+        </p:txBody>
+      </p:sp>
+      <p:sp>
+        <p:nvSpPr>
+          <p:cNvPr id="3" name="テキスト ボックス 2">
+            <a:extLst>
+              <a:ext uri="{FF2B5EF4-FFF2-40B4-BE49-F238E27FC236}">
+                <a16:creationId xmlns:a16="http://schemas.microsoft.com/office/drawing/2014/main" id="{253345FA-0E75-714A-9037-169FD7A06E91}"/>
+              </a:ext>
+            </a:extLst>
+          </p:cNvPr>
+          <p:cNvSpPr txBox="1"/>
+          <p:nvPr/>
+        </p:nvSpPr>
+        <p:spPr>
+          <a:xfrm>
+            <a:off x="723900" y="1143000"/>
+            <a:ext cx="7696200" cy="2308324"/>
+          </a:xfrm>
+          <a:prstGeom prst="rect">
+            <a:avLst/>
+          </a:prstGeom>
+          <a:noFill/>
+        </p:spPr>
+        <p:txBody>
+          <a:bodyPr wrap="square" rtlCol="0">
+            <a:spAutoFit/>
+          </a:bodyPr>
+          <a:lstStyle/>
+          <a:p>
+            <a:pPr marL="342900" indent="-342900">
+              <a:buAutoNum type="arabicPeriod"/>
+            </a:pPr>
+            <a:r>
+              <a:rPr kumimoji="1" lang="en-US" altLang="ja-JP" b="0" dirty="0"/>
+              <a:t>Link download</a:t>
+            </a:r>
+          </a:p>
+          <a:p>
+            <a:pPr marL="800100" lvl="1" indent="-342900">
+              <a:buAutoNum type="arabicPeriod"/>
+            </a:pPr>
+            <a:r>
+              <a:rPr kumimoji="1" lang="vi-VN" altLang="ja-JP" b="0" dirty="0">
+                <a:hlinkClick r:id="rId2"/>
+              </a:rPr>
+              <a:t>https://powerbi.microsoft.com/ja-jp/downloads/</a:t>
+            </a:r>
+            <a:endParaRPr kumimoji="1" lang="en-US" altLang="ja-JP" b="0" dirty="0"/>
+          </a:p>
+          <a:p>
+            <a:pPr marL="342900" indent="-342900">
+              <a:buAutoNum type="arabicPeriod"/>
+            </a:pPr>
+            <a:r>
+              <a:rPr kumimoji="1" lang="en-US" altLang="ja-JP" b="0" dirty="0" err="1"/>
+              <a:t>Chức</a:t>
+            </a:r>
+            <a:r>
+              <a:rPr kumimoji="1" lang="en-US" altLang="ja-JP" b="0" dirty="0"/>
+              <a:t> </a:t>
+            </a:r>
+            <a:r>
+              <a:rPr kumimoji="1" lang="en-US" altLang="ja-JP" b="0" dirty="0" err="1"/>
+              <a:t>năng</a:t>
+            </a:r>
+            <a:endParaRPr kumimoji="1" lang="en-US" altLang="ja-JP" b="0" dirty="0"/>
+          </a:p>
+          <a:p>
+            <a:pPr marL="800100" lvl="1" indent="-342900">
+              <a:buAutoNum type="arabicPeriod"/>
+            </a:pPr>
+            <a:r>
+              <a:rPr kumimoji="1" lang="en-US" altLang="ja-JP" b="0" dirty="0" err="1"/>
+              <a:t>Kết</a:t>
+            </a:r>
+            <a:r>
+              <a:rPr kumimoji="1" lang="en-US" altLang="ja-JP" b="0" dirty="0"/>
+              <a:t> </a:t>
+            </a:r>
+            <a:r>
+              <a:rPr kumimoji="1" lang="en-US" altLang="ja-JP" b="0" dirty="0" err="1"/>
+              <a:t>nối</a:t>
+            </a:r>
+            <a:r>
+              <a:rPr kumimoji="1" lang="en-US" altLang="ja-JP" b="0" dirty="0"/>
+              <a:t>, </a:t>
+            </a:r>
+            <a:r>
+              <a:rPr kumimoji="1" lang="en-US" altLang="ja-JP" b="0" dirty="0" err="1"/>
+              <a:t>chuyển</a:t>
+            </a:r>
+            <a:r>
+              <a:rPr kumimoji="1" lang="en-US" altLang="ja-JP" b="0" dirty="0"/>
+              <a:t> </a:t>
+            </a:r>
+            <a:r>
+              <a:rPr kumimoji="1" lang="en-US" altLang="ja-JP" b="0" dirty="0" err="1"/>
+              <a:t>đổi</a:t>
+            </a:r>
+            <a:r>
+              <a:rPr kumimoji="1" lang="en-US" altLang="ja-JP" b="0" dirty="0"/>
+              <a:t> </a:t>
+            </a:r>
+            <a:r>
+              <a:rPr kumimoji="1" lang="en-US" altLang="ja-JP" b="0" dirty="0" err="1"/>
+              <a:t>va</a:t>
+            </a:r>
+            <a:r>
+              <a:rPr kumimoji="1" lang="en-US" altLang="ja-JP" b="0" dirty="0"/>
+              <a:t>̀ </a:t>
+            </a:r>
+            <a:r>
+              <a:rPr kumimoji="1" lang="en-US" altLang="ja-JP" b="0" dirty="0" err="1"/>
+              <a:t>phân</a:t>
+            </a:r>
+            <a:r>
+              <a:rPr kumimoji="1" lang="en-US" altLang="ja-JP" b="0" dirty="0"/>
+              <a:t> </a:t>
+            </a:r>
+            <a:r>
+              <a:rPr kumimoji="1" lang="en-US" altLang="ja-JP" b="0" dirty="0" err="1"/>
+              <a:t>tích</a:t>
+            </a:r>
+            <a:r>
+              <a:rPr kumimoji="1" lang="en-US" altLang="ja-JP" b="0" dirty="0"/>
+              <a:t> </a:t>
+            </a:r>
+            <a:r>
+              <a:rPr kumimoji="1" lang="en-US" altLang="ja-JP" b="0" dirty="0" err="1"/>
+              <a:t>dư</a:t>
+            </a:r>
+            <a:r>
+              <a:rPr kumimoji="1" lang="en-US" altLang="ja-JP" b="0" dirty="0"/>
+              <a:t>̃ </a:t>
+            </a:r>
+            <a:r>
+              <a:rPr kumimoji="1" lang="en-US" altLang="ja-JP" b="0" dirty="0" err="1"/>
+              <a:t>liệu</a:t>
+            </a:r>
+            <a:r>
+              <a:rPr kumimoji="1" lang="en-US" altLang="ja-JP" b="0" dirty="0"/>
+              <a:t> </a:t>
+            </a:r>
+            <a:r>
+              <a:rPr kumimoji="1" lang="en-US" altLang="ja-JP" b="0" dirty="0" err="1"/>
+              <a:t>lớn</a:t>
+            </a:r>
+            <a:r>
+              <a:rPr kumimoji="1" lang="en-US" altLang="ja-JP" b="0" dirty="0"/>
+              <a:t> ( </a:t>
+            </a:r>
+            <a:r>
+              <a:rPr kumimoji="1" lang="en-US" altLang="ja-JP" b="0" dirty="0" err="1"/>
+              <a:t>hàng</a:t>
+            </a:r>
+            <a:r>
+              <a:rPr kumimoji="1" lang="en-US" altLang="ja-JP" b="0" dirty="0"/>
+              <a:t> </a:t>
+            </a:r>
+            <a:r>
+              <a:rPr kumimoji="1" lang="en-US" altLang="ja-JP" b="0" dirty="0" err="1"/>
+              <a:t>triệu</a:t>
+            </a:r>
+            <a:r>
+              <a:rPr kumimoji="1" lang="en-US" altLang="ja-JP" b="0" dirty="0"/>
+              <a:t> </a:t>
+            </a:r>
+            <a:r>
+              <a:rPr kumimoji="1" lang="en-US" altLang="ja-JP" b="0" dirty="0" err="1"/>
+              <a:t>dòng</a:t>
+            </a:r>
+            <a:r>
+              <a:rPr kumimoji="1" lang="en-US" altLang="ja-JP" b="0" dirty="0"/>
+              <a:t>)</a:t>
+            </a:r>
+          </a:p>
+          <a:p>
+            <a:pPr marL="800100" lvl="1" indent="-342900">
+              <a:buAutoNum type="arabicPeriod"/>
+            </a:pPr>
+            <a:r>
+              <a:rPr kumimoji="1" lang="en-US" altLang="ja-JP" b="0" dirty="0" err="1"/>
+              <a:t>Tạo</a:t>
+            </a:r>
+            <a:r>
+              <a:rPr kumimoji="1" lang="en-US" altLang="ja-JP" b="0" dirty="0"/>
+              <a:t> </a:t>
+            </a:r>
+            <a:r>
+              <a:rPr kumimoji="1" lang="en-US" altLang="ja-JP" b="0" dirty="0" err="1"/>
+              <a:t>mô</a:t>
+            </a:r>
+            <a:r>
+              <a:rPr kumimoji="1" lang="en-US" altLang="ja-JP" b="0" dirty="0"/>
+              <a:t> </a:t>
+            </a:r>
+            <a:r>
+              <a:rPr kumimoji="1" lang="en-US" altLang="ja-JP" b="0" dirty="0" err="1"/>
+              <a:t>hình</a:t>
+            </a:r>
+            <a:r>
+              <a:rPr kumimoji="1" lang="en-US" altLang="ja-JP" b="0" dirty="0"/>
+              <a:t> </a:t>
+            </a:r>
+            <a:r>
+              <a:rPr kumimoji="1" lang="en-US" altLang="ja-JP" b="0" dirty="0" err="1"/>
+              <a:t>quan</a:t>
+            </a:r>
+            <a:r>
+              <a:rPr kumimoji="1" lang="en-US" altLang="ja-JP" b="0" dirty="0"/>
+              <a:t> </a:t>
+            </a:r>
+            <a:r>
+              <a:rPr kumimoji="1" lang="en-US" altLang="ja-JP" b="0" dirty="0" err="1"/>
+              <a:t>hê</a:t>
+            </a:r>
+            <a:r>
+              <a:rPr kumimoji="1" lang="en-US" altLang="ja-JP" b="0" dirty="0"/>
+              <a:t>̣ </a:t>
+            </a:r>
+            <a:r>
+              <a:rPr kumimoji="1" lang="en-US" altLang="ja-JP" b="0" dirty="0" err="1"/>
+              <a:t>giữa</a:t>
+            </a:r>
+            <a:r>
+              <a:rPr kumimoji="1" lang="en-US" altLang="ja-JP" b="0" dirty="0"/>
+              <a:t> </a:t>
+            </a:r>
+            <a:r>
+              <a:rPr kumimoji="1" lang="en-US" altLang="ja-JP" b="0" dirty="0" err="1"/>
+              <a:t>nh</a:t>
+            </a:r>
+            <a:r>
+              <a:rPr kumimoji="1" lang="vi-VN" altLang="ja-JP" b="0" dirty="0"/>
+              <a:t>ư</a:t>
+            </a:r>
+            <a:r>
+              <a:rPr kumimoji="1" lang="en-US" altLang="ja-JP" b="0" dirty="0"/>
+              <a:t>̃ng </a:t>
+            </a:r>
+            <a:r>
+              <a:rPr kumimoji="1" lang="en-US" altLang="ja-JP" b="0" dirty="0" err="1"/>
+              <a:t>nguồn</a:t>
+            </a:r>
+            <a:r>
+              <a:rPr kumimoji="1" lang="en-US" altLang="ja-JP" b="0" dirty="0"/>
+              <a:t> </a:t>
+            </a:r>
+            <a:r>
+              <a:rPr kumimoji="1" lang="en-US" altLang="ja-JP" b="0" dirty="0" err="1"/>
+              <a:t>dư</a:t>
+            </a:r>
+            <a:r>
+              <a:rPr kumimoji="1" lang="en-US" altLang="ja-JP" b="0" dirty="0"/>
+              <a:t>̃ </a:t>
+            </a:r>
+            <a:r>
+              <a:rPr kumimoji="1" lang="en-US" altLang="ja-JP" b="0" dirty="0" err="1"/>
+              <a:t>liệu</a:t>
+            </a:r>
+            <a:r>
+              <a:rPr kumimoji="1" lang="en-US" altLang="ja-JP" b="0" dirty="0"/>
+              <a:t> </a:t>
+            </a:r>
+            <a:r>
+              <a:rPr kumimoji="1" lang="en-US" altLang="ja-JP" b="0" dirty="0" err="1"/>
+              <a:t>khác</a:t>
+            </a:r>
+            <a:r>
+              <a:rPr kumimoji="1" lang="en-US" altLang="ja-JP" b="0" dirty="0"/>
+              <a:t> </a:t>
+            </a:r>
+            <a:r>
+              <a:rPr kumimoji="1" lang="en-US" altLang="ja-JP" b="0" dirty="0" err="1"/>
+              <a:t>nhau</a:t>
+            </a:r>
+            <a:endParaRPr kumimoji="1" lang="en-US" altLang="ja-JP" b="0" dirty="0"/>
+          </a:p>
+          <a:p>
+            <a:pPr marL="800100" lvl="1" indent="-342900">
+              <a:buAutoNum type="arabicPeriod"/>
+            </a:pPr>
+            <a:r>
+              <a:rPr kumimoji="1" lang="en-US" altLang="ja-JP" b="0" dirty="0" err="1"/>
+              <a:t>Hiển</a:t>
+            </a:r>
+            <a:r>
+              <a:rPr kumimoji="1" lang="en-US" altLang="ja-JP" b="0" dirty="0"/>
+              <a:t> </a:t>
+            </a:r>
+            <a:r>
+              <a:rPr kumimoji="1" lang="en-US" altLang="ja-JP" b="0" dirty="0" err="1"/>
+              <a:t>thi</a:t>
+            </a:r>
+            <a:r>
+              <a:rPr kumimoji="1" lang="en-US" altLang="ja-JP" b="0" dirty="0"/>
+              <a:t>̣ </a:t>
+            </a:r>
+            <a:r>
+              <a:rPr kumimoji="1" lang="en-US" altLang="ja-JP" b="0" dirty="0" err="1"/>
+              <a:t>va</a:t>
+            </a:r>
+            <a:r>
+              <a:rPr kumimoji="1" lang="en-US" altLang="ja-JP" b="0" dirty="0"/>
+              <a:t>̀ </a:t>
+            </a:r>
+            <a:r>
+              <a:rPr kumimoji="1" lang="en-US" altLang="ja-JP" b="0" dirty="0" err="1"/>
+              <a:t>tạo</a:t>
+            </a:r>
+            <a:r>
+              <a:rPr kumimoji="1" lang="en-US" altLang="ja-JP" b="0" dirty="0"/>
+              <a:t> </a:t>
+            </a:r>
+            <a:r>
+              <a:rPr kumimoji="1" lang="en-US" altLang="ja-JP" b="0" dirty="0" err="1"/>
+              <a:t>các</a:t>
+            </a:r>
+            <a:r>
+              <a:rPr kumimoji="1" lang="en-US" altLang="ja-JP" b="0" dirty="0"/>
+              <a:t> </a:t>
+            </a:r>
+            <a:r>
+              <a:rPr kumimoji="1" lang="en-US" altLang="ja-JP" b="0" dirty="0" err="1"/>
+              <a:t>báo</a:t>
+            </a:r>
+            <a:r>
+              <a:rPr kumimoji="1" lang="en-US" altLang="ja-JP" b="0" dirty="0"/>
+              <a:t> </a:t>
+            </a:r>
+            <a:r>
+              <a:rPr kumimoji="1" lang="en-US" altLang="ja-JP" b="0" dirty="0" err="1"/>
+              <a:t>cáo</a:t>
+            </a:r>
+            <a:endParaRPr kumimoji="1" lang="en-US" altLang="ja-JP" b="0" dirty="0"/>
+          </a:p>
+          <a:p>
+            <a:pPr marL="800100" lvl="1" indent="-342900">
+              <a:buAutoNum type="arabicPeriod"/>
+            </a:pPr>
+            <a:r>
+              <a:rPr kumimoji="1" lang="en-US" altLang="ja-JP" b="0" dirty="0" err="1"/>
+              <a:t>Thực</a:t>
+            </a:r>
+            <a:r>
+              <a:rPr kumimoji="1" lang="en-US" altLang="ja-JP" b="0" dirty="0"/>
+              <a:t> </a:t>
+            </a:r>
+            <a:r>
+              <a:rPr kumimoji="1" lang="en-US" altLang="ja-JP" b="0" dirty="0" err="1"/>
+              <a:t>hiện</a:t>
+            </a:r>
+            <a:r>
+              <a:rPr kumimoji="1" lang="en-US" altLang="ja-JP" b="0" dirty="0"/>
+              <a:t> </a:t>
+            </a:r>
+            <a:r>
+              <a:rPr kumimoji="1" lang="en-US" altLang="ja-JP" b="0" dirty="0" err="1"/>
+              <a:t>những</a:t>
+            </a:r>
+            <a:r>
+              <a:rPr kumimoji="1" lang="en-US" altLang="ja-JP" b="0" dirty="0"/>
+              <a:t> </a:t>
+            </a:r>
+            <a:r>
+              <a:rPr kumimoji="1" lang="en-US" altLang="ja-JP" b="0" dirty="0" err="1"/>
+              <a:t>phép</a:t>
+            </a:r>
+            <a:r>
+              <a:rPr kumimoji="1" lang="en-US" altLang="ja-JP" b="0" dirty="0"/>
+              <a:t> </a:t>
+            </a:r>
+            <a:r>
+              <a:rPr kumimoji="1" lang="en-US" altLang="ja-JP" b="0" dirty="0" err="1"/>
+              <a:t>tính</a:t>
+            </a:r>
+            <a:r>
+              <a:rPr kumimoji="1" lang="en-US" altLang="ja-JP" b="0" dirty="0"/>
+              <a:t> </a:t>
+            </a:r>
+            <a:r>
+              <a:rPr kumimoji="1" lang="en-US" altLang="ja-JP" b="0" dirty="0" err="1"/>
+              <a:t>kho</a:t>
+            </a:r>
+            <a:r>
+              <a:rPr kumimoji="1" lang="en-US" altLang="ja-JP" b="0" dirty="0"/>
+              <a:t> </a:t>
+            </a:r>
+            <a:r>
+              <a:rPr kumimoji="1" lang="en-US" altLang="ja-JP" b="0" dirty="0" err="1"/>
+              <a:t>bằng</a:t>
+            </a:r>
+            <a:r>
+              <a:rPr kumimoji="1" lang="en-US" altLang="ja-JP" b="0" dirty="0"/>
+              <a:t> </a:t>
+            </a:r>
+            <a:r>
+              <a:rPr kumimoji="1" lang="en-US" altLang="ja-JP" b="0" dirty="0" err="1"/>
+              <a:t>cách</a:t>
+            </a:r>
+            <a:r>
+              <a:rPr kumimoji="1" lang="en-US" altLang="ja-JP" b="0" dirty="0"/>
+              <a:t> </a:t>
+            </a:r>
+            <a:r>
+              <a:rPr kumimoji="1" lang="en-US" altLang="ja-JP" b="0" dirty="0" err="1"/>
+              <a:t>sư</a:t>
+            </a:r>
+            <a:r>
+              <a:rPr kumimoji="1" lang="en-US" altLang="ja-JP" b="0" dirty="0"/>
+              <a:t>̉ </a:t>
+            </a:r>
+            <a:r>
+              <a:rPr kumimoji="1" lang="en-US" altLang="ja-JP" b="0" dirty="0" err="1"/>
+              <a:t>dụng</a:t>
+            </a:r>
+            <a:r>
+              <a:rPr kumimoji="1" lang="en-US" altLang="ja-JP" b="0" dirty="0"/>
+              <a:t> DAX (Data Analysis Expressions)</a:t>
+            </a:r>
+            <a:endParaRPr kumimoji="1" lang="vi-VN" altLang="ja-JP" b="0" dirty="0"/>
+          </a:p>
+        </p:txBody>
+      </p:sp>
+    </p:spTree>
+    <p:extLst>
+      <p:ext uri="{BB962C8B-B14F-4D97-AF65-F5344CB8AC3E}">
+        <p14:creationId xmlns:p14="http://schemas.microsoft.com/office/powerpoint/2010/main" val="3007579141"/>
+      </p:ext>
+    </p:extLst>
+  </p:cSld>
+  <p:clrMapOvr>
+    <a:masterClrMapping/>
+  </p:clrMapOvr>
+</p:sld>
+</file>
+
+<file path=ppt/slides/slide13.xml><?xml version="1.0" encoding="utf-8"?>
+<p:sld xmlns:a="http://schemas.openxmlformats.org/drawingml/2006/main" xmlns:r="http://schemas.openxmlformats.org/officeDocument/2006/relationships" xmlns:p="http://schemas.openxmlformats.org/presentationml/2006/main">
+  <p:cSld>
+    <p:spTree>
+      <p:nvGrpSpPr>
+        <p:cNvPr id="1" name=""/>
+        <p:cNvGrpSpPr/>
+        <p:nvPr/>
+      </p:nvGrpSpPr>
+      <p:grpSpPr>
+        <a:xfrm>
+          <a:off x="0" y="0"/>
+          <a:ext cx="0" cy="0"/>
+          <a:chOff x="0" y="0"/>
+          <a:chExt cx="0" cy="0"/>
+        </a:xfrm>
+      </p:grpSpPr>
+      <p:sp>
+        <p:nvSpPr>
+          <p:cNvPr id="2" name="テキスト ボックス 1">
+            <a:extLst>
+              <a:ext uri="{FF2B5EF4-FFF2-40B4-BE49-F238E27FC236}">
+                <a16:creationId xmlns:a16="http://schemas.microsoft.com/office/drawing/2014/main" id="{86C211BE-3254-4B83-A721-CD5D76A48112}"/>
+              </a:ext>
+            </a:extLst>
+          </p:cNvPr>
+          <p:cNvSpPr txBox="1"/>
+          <p:nvPr/>
+        </p:nvSpPr>
+        <p:spPr>
+          <a:xfrm>
+            <a:off x="228599" y="228600"/>
+            <a:ext cx="8302625" cy="523220"/>
+          </a:xfrm>
+          <a:prstGeom prst="rect">
+            <a:avLst/>
+          </a:prstGeom>
+          <a:noFill/>
+        </p:spPr>
+        <p:txBody>
+          <a:bodyPr wrap="square" rtlCol="0">
+            <a:spAutoFit/>
+          </a:bodyPr>
+          <a:lstStyle/>
+          <a:p>
+            <a:r>
+              <a:rPr kumimoji="1" lang="en-US" altLang="ja-JP" sz="2800" b="0" dirty="0"/>
+              <a:t>BI Tool: Microsoft </a:t>
+            </a:r>
+            <a:r>
+              <a:rPr kumimoji="1" lang="en-US" altLang="ja-JP" sz="2800" b="0" dirty="0" err="1"/>
+              <a:t>PowerBI</a:t>
+            </a:r>
+            <a:r>
+              <a:rPr kumimoji="1" lang="en-US" altLang="ja-JP" sz="2800" b="0" dirty="0"/>
+              <a:t> Desktop</a:t>
+            </a:r>
           </a:p>
         </p:txBody>
       </p:sp>
@@ -4702,7 +5206,7 @@
         <p:spPr>
           <a:xfrm>
             <a:off x="762000" y="990600"/>
-            <a:ext cx="2967479" cy="369332"/>
+            <a:ext cx="5724644" cy="646331"/>
           </a:xfrm>
           <a:prstGeom prst="rect">
             <a:avLst/>
@@ -4715,9 +5219,21 @@
           </a:bodyPr>
           <a:lstStyle/>
           <a:p>
+            <a:pPr marL="342900" indent="-342900">
+              <a:buAutoNum type="arabicPeriod"/>
+            </a:pPr>
+            <a:r>
+              <a:rPr kumimoji="1" lang="en-US" altLang="ja-JP" b="0" dirty="0"/>
+              <a:t>Link download</a:t>
+            </a:r>
+          </a:p>
+          <a:p>
+            <a:pPr marL="800100" lvl="1" indent="-342900">
+              <a:buAutoNum type="arabicPeriod"/>
+            </a:pPr>
             <a:r>
               <a:rPr kumimoji="1" lang="vi-VN" altLang="ja-JP" b="0" dirty="0"/>
-              <a:t>Microsoft PowerBI Desktop</a:t>
+              <a:t>https://powerbi.microsoft.com/ja-jp/downloads/</a:t>
             </a:r>
           </a:p>
         </p:txBody>
@@ -4725,7 +5241,7 @@
     </p:spTree>
     <p:extLst>
       <p:ext uri="{BB962C8B-B14F-4D97-AF65-F5344CB8AC3E}">
-        <p14:creationId xmlns:p14="http://schemas.microsoft.com/office/powerpoint/2010/main" val="3007579141"/>
+        <p14:creationId xmlns:p14="http://schemas.microsoft.com/office/powerpoint/2010/main" val="2835073583"/>
       </p:ext>
     </p:extLst>
   </p:cSld>
@@ -4735,7 +5251,7 @@
 </p:sld>
 </file>
 
-<file path=ppt/slides/slide13.xml><?xml version="1.0" encoding="utf-8"?>
+<file path=ppt/slides/slide14.xml><?xml version="1.0" encoding="utf-8"?>
 <p:sld xmlns:a="http://schemas.openxmlformats.org/drawingml/2006/main" xmlns:r="http://schemas.openxmlformats.org/officeDocument/2006/relationships" xmlns:p="http://schemas.openxmlformats.org/presentationml/2006/main">
   <p:cSld>
     <p:spTree>
